--- a/ImNO2017/Poster/ChurchSpinalVisualization_v08.pptx
+++ b/ImNO2017/Poster/ChurchSpinalVisualization_v08.pptx
@@ -4361,8 +4361,8 @@
         </p:nvSpPr>
         <p:spPr bwMode="auto">
           <a:xfrm>
-            <a:off x="856066" y="19216102"/>
-            <a:ext cx="8972959" cy="16976483"/>
+            <a:off x="761431" y="19078113"/>
+            <a:ext cx="8686800" cy="16976483"/>
           </a:xfrm>
           <a:prstGeom prst="rect">
             <a:avLst/>
@@ -4390,19 +4390,19 @@
               <a:defRPr/>
             </a:pPr>
             <a:r>
-              <a:rPr lang="en-US" sz="3600"/>
+              <a:rPr lang="en-US" sz="3600" dirty="0"/>
               <a:t>A </a:t>
             </a:r>
             <a:r>
-              <a:rPr lang="en-US" sz="3600" smtClean="0"/>
+              <a:rPr lang="en-US" sz="3600" dirty="0" smtClean="0"/>
               <a:t>healthy </a:t>
             </a:r>
             <a:r>
-              <a:rPr lang="en-US" sz="3600"/>
+              <a:rPr lang="en-US" sz="3600" dirty="0"/>
               <a:t>spine </a:t>
             </a:r>
             <a:r>
-              <a:rPr lang="en-US" sz="3600" smtClean="0"/>
+              <a:rPr lang="en-US" sz="3600" dirty="0" smtClean="0"/>
               <a:t>model </a:t>
             </a:r>
             <a:r>
@@ -5173,7 +5173,7 @@
         <p:spPr bwMode="auto">
           <a:xfrm>
             <a:off x="16982504" y="35706532"/>
-            <a:ext cx="15578302" cy="1368152"/>
+            <a:ext cx="15572232" cy="1368152"/>
           </a:xfrm>
           <a:prstGeom prst="rect">
             <a:avLst/>
@@ -5331,8 +5331,8 @@
           </p:nvSpPr>
           <p:spPr bwMode="auto">
             <a:xfrm>
-              <a:off x="785752" y="5029199"/>
-              <a:ext cx="8667567" cy="9345215"/>
+              <a:off x="785751" y="5029199"/>
+              <a:ext cx="8686800" cy="9345215"/>
             </a:xfrm>
             <a:prstGeom prst="rect">
               <a:avLst/>
@@ -5568,21 +5568,21 @@
                 <a:gridCol w="2394798">
                   <a:extLst>
                     <a:ext uri="{9D8B030D-6E8A-4147-A177-3AD203B41FA5}">
-                      <a16:colId xmlns="" xmlns:a16="http://schemas.microsoft.com/office/drawing/2014/main" val="20000"/>
+                      <a16:colId xmlns:a16="http://schemas.microsoft.com/office/drawing/2014/main" xmlns="" val="20000"/>
                     </a:ext>
                   </a:extLst>
                 </a:gridCol>
                 <a:gridCol w="2653006">
                   <a:extLst>
                     <a:ext uri="{9D8B030D-6E8A-4147-A177-3AD203B41FA5}">
-                      <a16:colId xmlns="" xmlns:a16="http://schemas.microsoft.com/office/drawing/2014/main" val="20001"/>
+                      <a16:colId xmlns:a16="http://schemas.microsoft.com/office/drawing/2014/main" xmlns="" val="20001"/>
                     </a:ext>
                   </a:extLst>
                 </a:gridCol>
                 <a:gridCol w="2662250">
                   <a:extLst>
                     <a:ext uri="{9D8B030D-6E8A-4147-A177-3AD203B41FA5}">
-                      <a16:colId xmlns="" xmlns:a16="http://schemas.microsoft.com/office/drawing/2014/main" val="20002"/>
+                      <a16:colId xmlns:a16="http://schemas.microsoft.com/office/drawing/2014/main" xmlns="" val="20002"/>
                     </a:ext>
                   </a:extLst>
                 </a:gridCol>
@@ -5811,7 +5811,7 @@
                 </a:tc>
                 <a:extLst>
                   <a:ext uri="{0D108BD9-81ED-4DB2-BD59-A6C34878D82A}">
-                    <a16:rowId xmlns="" xmlns:a16="http://schemas.microsoft.com/office/drawing/2014/main" val="10000"/>
+                    <a16:rowId xmlns:a16="http://schemas.microsoft.com/office/drawing/2014/main" xmlns="" val="10000"/>
                   </a:ext>
                 </a:extLst>
               </a:tr>
@@ -6007,7 +6007,7 @@
                 </a:tc>
                 <a:extLst>
                   <a:ext uri="{0D108BD9-81ED-4DB2-BD59-A6C34878D82A}">
-                    <a16:rowId xmlns="" xmlns:a16="http://schemas.microsoft.com/office/drawing/2014/main" val="10001"/>
+                    <a16:rowId xmlns:a16="http://schemas.microsoft.com/office/drawing/2014/main" xmlns="" val="10001"/>
                   </a:ext>
                 </a:extLst>
               </a:tr>
@@ -6203,7 +6203,7 @@
                 </a:tc>
                 <a:extLst>
                   <a:ext uri="{0D108BD9-81ED-4DB2-BD59-A6C34878D82A}">
-                    <a16:rowId xmlns="" xmlns:a16="http://schemas.microsoft.com/office/drawing/2014/main" val="10002"/>
+                    <a16:rowId xmlns:a16="http://schemas.microsoft.com/office/drawing/2014/main" xmlns="" val="10002"/>
                   </a:ext>
                 </a:extLst>
               </a:tr>
@@ -6399,7 +6399,7 @@
                 </a:tc>
                 <a:extLst>
                   <a:ext uri="{0D108BD9-81ED-4DB2-BD59-A6C34878D82A}">
-                    <a16:rowId xmlns="" xmlns:a16="http://schemas.microsoft.com/office/drawing/2014/main" val="10003"/>
+                    <a16:rowId xmlns:a16="http://schemas.microsoft.com/office/drawing/2014/main" xmlns="" val="10003"/>
                   </a:ext>
                 </a:extLst>
               </a:tr>
@@ -6595,7 +6595,7 @@
                 </a:tc>
                 <a:extLst>
                   <a:ext uri="{0D108BD9-81ED-4DB2-BD59-A6C34878D82A}">
-                    <a16:rowId xmlns="" xmlns:a16="http://schemas.microsoft.com/office/drawing/2014/main" val="10004"/>
+                    <a16:rowId xmlns:a16="http://schemas.microsoft.com/office/drawing/2014/main" xmlns="" val="10004"/>
                   </a:ext>
                 </a:extLst>
               </a:tr>
@@ -6791,7 +6791,7 @@
                 </a:tc>
                 <a:extLst>
                   <a:ext uri="{0D108BD9-81ED-4DB2-BD59-A6C34878D82A}">
-                    <a16:rowId xmlns="" xmlns:a16="http://schemas.microsoft.com/office/drawing/2014/main" val="10005"/>
+                    <a16:rowId xmlns:a16="http://schemas.microsoft.com/office/drawing/2014/main" xmlns="" val="10005"/>
                   </a:ext>
                 </a:extLst>
               </a:tr>

--- a/ImNO2017/Poster/ChurchSpinalVisualization_v08.pptx
+++ b/ImNO2017/Poster/ChurchSpinalVisualization_v08.pptx
@@ -4180,8 +4180,8 @@
         </p:nvSpPr>
         <p:spPr bwMode="auto">
           <a:xfrm>
-            <a:off x="357598" y="400245"/>
-            <a:ext cx="32203209" cy="3291544"/>
+            <a:off x="364534" y="400245"/>
+            <a:ext cx="32245001" cy="3291544"/>
           </a:xfrm>
           <a:prstGeom prst="rect">
             <a:avLst/>
@@ -4222,7 +4222,7 @@
         <p:spPr bwMode="auto">
           <a:xfrm>
             <a:off x="350659" y="483614"/>
-            <a:ext cx="32210147" cy="1451166"/>
+            <a:ext cx="32283390" cy="1451166"/>
           </a:xfrm>
           <a:prstGeom prst="rect">
             <a:avLst/>
@@ -4252,7 +4252,31 @@
                   <a:srgbClr val="FBF5CD"/>
                 </a:solidFill>
               </a:rPr>
-              <a:t>Spine visualization from transverse process landmarks</a:t>
+              <a:t>Spine </a:t>
+            </a:r>
+            <a:r>
+              <a:rPr lang="en-CA" sz="8800" b="1" dirty="0" smtClean="0">
+                <a:solidFill>
+                  <a:srgbClr val="FBF5CD"/>
+                </a:solidFill>
+              </a:rPr>
+              <a:t>Visualization </a:t>
+            </a:r>
+            <a:r>
+              <a:rPr lang="en-CA" sz="8800" b="1" dirty="0">
+                <a:solidFill>
+                  <a:srgbClr val="FBF5CD"/>
+                </a:solidFill>
+              </a:rPr>
+              <a:t>from </a:t>
+            </a:r>
+            <a:r>
+              <a:rPr lang="en-CA" sz="8800" b="1" dirty="0" smtClean="0">
+                <a:solidFill>
+                  <a:srgbClr val="FBF5CD"/>
+                </a:solidFill>
+              </a:rPr>
+              <a:t>Transverse Process Landmarks</a:t>
             </a:r>
             <a:endParaRPr lang="en-US" sz="8800" b="1" dirty="0">
               <a:solidFill>
@@ -4353,110 +4377,6 @@
       </p:sp>
       <p:sp>
         <p:nvSpPr>
-          <p:cNvPr id="54" name="Rectangle 25"/>
-          <p:cNvSpPr>
-            <a:spLocks noChangeArrowheads="1"/>
-          </p:cNvSpPr>
-          <p:nvPr/>
-        </p:nvSpPr>
-        <p:spPr bwMode="auto">
-          <a:xfrm>
-            <a:off x="761431" y="19078113"/>
-            <a:ext cx="8686800" cy="16976483"/>
-          </a:xfrm>
-          <a:prstGeom prst="rect">
-            <a:avLst/>
-          </a:prstGeom>
-          <a:solidFill>
-            <a:srgbClr val="F8DBA6"/>
-          </a:solidFill>
-          <a:ln w="38100">
-            <a:noFill/>
-            <a:miter lim="800000"/>
-            <a:headEnd/>
-            <a:tailEnd/>
-          </a:ln>
-        </p:spPr>
-        <p:txBody>
-          <a:bodyPr lIns="274320" tIns="180000" rIns="274320" bIns="180000"/>
-          <a:lstStyle/>
-          <a:p>
-            <a:pPr marL="571500" indent="-571500" algn="just">
-              <a:spcBef>
-                <a:spcPts val="1200"/>
-              </a:spcBef>
-              <a:buFont typeface="Arial" panose="020B0604020202020204" pitchFamily="34" charset="0"/>
-              <a:buChar char="•"/>
-              <a:defRPr/>
-            </a:pPr>
-            <a:r>
-              <a:rPr lang="en-US" sz="3600" dirty="0"/>
-              <a:t>A </a:t>
-            </a:r>
-            <a:r>
-              <a:rPr lang="en-US" sz="3600" dirty="0" smtClean="0"/>
-              <a:t>healthy </a:t>
-            </a:r>
-            <a:r>
-              <a:rPr lang="en-US" sz="3600" dirty="0"/>
-              <a:t>spine </a:t>
-            </a:r>
-            <a:r>
-              <a:rPr lang="en-US" sz="3600" dirty="0" smtClean="0"/>
-              <a:t>model </a:t>
-            </a:r>
-            <a:r>
-              <a:rPr lang="en-US" sz="3600" dirty="0"/>
-              <a:t>was used as a spine atlas (www.grabcad.com)</a:t>
-            </a:r>
-          </a:p>
-          <a:p>
-            <a:pPr marL="571500" indent="-571500" algn="just">
-              <a:spcBef>
-                <a:spcPts val="1200"/>
-              </a:spcBef>
-              <a:buFont typeface="Arial" panose="020B0604020202020204" pitchFamily="34" charset="0"/>
-              <a:buChar char="•"/>
-              <a:defRPr/>
-            </a:pPr>
-            <a:r>
-              <a:rPr lang="en-US" sz="3600" dirty="0"/>
-              <a:t>5 CT volumes with spinal deformities were used to test atlas registration using only transverse process points </a:t>
-            </a:r>
-          </a:p>
-          <a:p>
-            <a:pPr marL="571500" indent="-571500" algn="just">
-              <a:spcBef>
-                <a:spcPts val="1200"/>
-              </a:spcBef>
-              <a:buFont typeface="Arial" panose="020B0604020202020204" pitchFamily="34" charset="0"/>
-              <a:buChar char="•"/>
-              <a:defRPr/>
-            </a:pPr>
-            <a:r>
-              <a:rPr lang="en-CA" sz="3600" dirty="0"/>
-              <a:t>Anchor points were automatically added to constrain in anterior extent and rotation of atlas vertebrae (Fig 2)</a:t>
-            </a:r>
-          </a:p>
-          <a:p>
-            <a:pPr marL="571500" indent="-571500" algn="just">
-              <a:spcBef>
-                <a:spcPts val="1200"/>
-              </a:spcBef>
-              <a:buFont typeface="Arial" panose="020B0604020202020204" pitchFamily="34" charset="0"/>
-              <a:buChar char="•"/>
-              <a:defRPr/>
-            </a:pPr>
-            <a:r>
-              <a:rPr lang="en-US" sz="3600" dirty="0"/>
-              <a:t>Thin-plate spline transformation was applied to interpolate between landmark and anchor points</a:t>
-            </a:r>
-            <a:endParaRPr lang="en-CA" sz="3600" dirty="0"/>
-          </a:p>
-        </p:txBody>
-      </p:sp>
-      <p:sp>
-        <p:nvSpPr>
           <p:cNvPr id="55" name="Rectangle 9"/>
           <p:cNvSpPr>
             <a:spLocks noChangeArrowheads="1"/>
@@ -4555,7 +4475,7 @@
         <p:spPr bwMode="auto">
           <a:xfrm>
             <a:off x="16668005" y="24725312"/>
-            <a:ext cx="15928521" cy="5529278"/>
+            <a:ext cx="15928521" cy="4896544"/>
           </a:xfrm>
           <a:prstGeom prst="rect">
             <a:avLst/>
@@ -4600,7 +4520,7 @@
         <p:spPr bwMode="auto">
           <a:xfrm>
             <a:off x="17026264" y="25706819"/>
-            <a:ext cx="15570261" cy="4547771"/>
+            <a:ext cx="15570261" cy="3915037"/>
           </a:xfrm>
           <a:prstGeom prst="rect">
             <a:avLst/>
@@ -4621,43 +4541,74 @@
           <a:bodyPr lIns="274320" tIns="180000" rIns="274320" bIns="180000"/>
           <a:lstStyle/>
           <a:p>
-            <a:pPr algn="just">
+            <a:pPr marL="571500" indent="-571500" algn="just">
               <a:spcBef>
                 <a:spcPts val="1200"/>
               </a:spcBef>
+              <a:buFont typeface="Arial" panose="020B0604020202020204" pitchFamily="34" charset="0"/>
+              <a:buChar char="•"/>
               <a:defRPr/>
             </a:pPr>
             <a:r>
+              <a:rPr lang="en-CA" sz="3600" dirty="0" smtClean="0"/>
+              <a:t>Using sparse landmarks, we were able to extrapolate anchor points sufficient to constrain the registration </a:t>
+            </a:r>
+            <a:r>
               <a:rPr lang="en-CA" sz="3600" dirty="0"/>
-              <a:t>Registration of a healthy atlas based on transverse process landmarks allows visualization of spinal deformities</a:t>
-            </a:r>
-          </a:p>
-          <a:p>
-            <a:pPr algn="just">
+              <a:t>of a healthy </a:t>
+            </a:r>
+            <a:r>
+              <a:rPr lang="en-CA" sz="3600" dirty="0" smtClean="0"/>
+              <a:t>model to patient</a:t>
+            </a:r>
+            <a:r>
+              <a:rPr lang="en-CA" sz="3600" dirty="0" smtClean="0"/>
+              <a:t>.</a:t>
+            </a:r>
+          </a:p>
+          <a:p>
+            <a:pPr marL="571500" indent="-571500" algn="just">
               <a:spcBef>
                 <a:spcPts val="1200"/>
               </a:spcBef>
+              <a:buFont typeface="Arial" panose="020B0604020202020204" pitchFamily="34" charset="0"/>
+              <a:buChar char="•"/>
               <a:defRPr/>
             </a:pPr>
             <a:r>
-              <a:rPr lang="en-CA" sz="3600" dirty="0"/>
-              <a:t>This registration method is robust because it does not directly depend on imaging modality and image quality</a:t>
-            </a:r>
-          </a:p>
-          <a:p>
-            <a:pPr algn="just">
+              <a:rPr lang="en-US" sz="3600" dirty="0" smtClean="0"/>
+              <a:t>The resulting visualizations convey the overall form of the anatomy, suitable for assessment of pathologic deformation</a:t>
+            </a:r>
+            <a:endParaRPr lang="en-CA" sz="3600" dirty="0"/>
+          </a:p>
+          <a:p>
+            <a:pPr marL="571500" indent="-571500" algn="just">
               <a:spcBef>
                 <a:spcPts val="1200"/>
               </a:spcBef>
+              <a:buFont typeface="Arial" panose="020B0604020202020204" pitchFamily="34" charset="0"/>
+              <a:buChar char="•"/>
               <a:defRPr/>
             </a:pPr>
             <a:r>
+              <a:rPr lang="en-CA" sz="3600" dirty="0" smtClean="0"/>
+              <a:t>Our </a:t>
+            </a:r>
+            <a:r>
               <a:rPr lang="en-CA" sz="3600" dirty="0"/>
-              <a:t>In the future, our method could be improved by automatic landmarking, and handling cases with missing </a:t>
+              <a:t>method </a:t>
             </a:r>
             <a:r>
               <a:rPr lang="en-CA" sz="3600" dirty="0" smtClean="0"/>
-              <a:t>or incorrectly placed landmarks</a:t>
+              <a:t>is being </a:t>
+            </a:r>
+            <a:r>
+              <a:rPr lang="en-CA" sz="3600" dirty="0"/>
+              <a:t>improved by automatic landmarking, and handling cases with missing </a:t>
+            </a:r>
+            <a:r>
+              <a:rPr lang="en-CA" sz="3600" dirty="0" smtClean="0"/>
+              <a:t>or incorrectly placed landmarks.</a:t>
             </a:r>
             <a:endParaRPr lang="en-CA" sz="3600" dirty="0"/>
           </a:p>
@@ -4665,7 +4616,7 @@
       </p:sp>
       <p:sp>
         <p:nvSpPr>
-          <p:cNvPr id="136" name="Rectangle 9"/>
+          <p:cNvPr id="54" name="Rectangle 25"/>
           <p:cNvSpPr>
             <a:spLocks noChangeArrowheads="1"/>
           </p:cNvSpPr>
@@ -4673,53 +4624,8 @@
         </p:nvSpPr>
         <p:spPr bwMode="auto">
           <a:xfrm>
-            <a:off x="16668005" y="30611818"/>
-            <a:ext cx="15928521" cy="3798570"/>
-          </a:xfrm>
-          <a:prstGeom prst="rect">
-            <a:avLst/>
-          </a:prstGeom>
-          <a:solidFill>
-            <a:srgbClr val="9A0E2C"/>
-          </a:solidFill>
-          <a:ln w="38100">
-            <a:solidFill>
-              <a:schemeClr val="tx1"/>
-            </a:solidFill>
-            <a:miter lim="800000"/>
-            <a:headEnd/>
-            <a:tailEnd/>
-          </a:ln>
-        </p:spPr>
-        <p:txBody>
-          <a:bodyPr wrap="none" lIns="96010" tIns="48006" rIns="96010" bIns="48006"/>
-          <a:lstStyle/>
-          <a:p>
-            <a:pPr indent="265113"/>
-            <a:r>
-              <a:rPr lang="en-US" sz="6000" b="1" dirty="0">
-                <a:solidFill>
-                  <a:srgbClr val="FBF5CD"/>
-                </a:solidFill>
-                <a:latin typeface="+mj-lt"/>
-              </a:rPr>
-              <a:t>Acknowledgement</a:t>
-            </a:r>
-          </a:p>
-        </p:txBody>
-      </p:sp>
-      <p:sp>
-        <p:nvSpPr>
-          <p:cNvPr id="137" name="Rectangle 25"/>
-          <p:cNvSpPr>
-            <a:spLocks noChangeArrowheads="1"/>
-          </p:cNvSpPr>
-          <p:nvPr/>
-        </p:nvSpPr>
-        <p:spPr bwMode="auto">
-          <a:xfrm>
-            <a:off x="17026264" y="31585064"/>
-            <a:ext cx="15570262" cy="2825323"/>
+            <a:off x="761431" y="19078113"/>
+            <a:ext cx="9288532" cy="16976483"/>
           </a:xfrm>
           <a:prstGeom prst="rect">
             <a:avLst/>
@@ -4728,29 +4634,87 @@
             <a:srgbClr val="F8DBA6"/>
           </a:solidFill>
           <a:ln w="38100">
-            <a:solidFill>
-              <a:schemeClr val="tx1"/>
-            </a:solidFill>
+            <a:noFill/>
             <a:miter lim="800000"/>
             <a:headEnd/>
             <a:tailEnd/>
           </a:ln>
         </p:spPr>
         <p:txBody>
-          <a:bodyPr lIns="288000" tIns="180000" rIns="288000" bIns="180000"/>
+          <a:bodyPr lIns="274320" tIns="180000" rIns="274320" bIns="180000"/>
           <a:lstStyle/>
           <a:p>
-            <a:pPr algn="just">
+            <a:pPr marL="571500" indent="-571500" algn="just">
               <a:spcBef>
                 <a:spcPts val="1200"/>
               </a:spcBef>
+              <a:buFont typeface="Arial" panose="020B0604020202020204" pitchFamily="34" charset="0"/>
+              <a:buChar char="•"/>
               <a:defRPr/>
             </a:pPr>
             <a:r>
-              <a:rPr lang="en-US" sz="3200" dirty="0"/>
-              <a:t>This work was made possible by funding from: Province of Ontario; Cancer Care Ontario with funds from the Ministry of Health; Long-Term Care for an Applied Cancer Research Unit; Research Chair in Cancer Imaging; Natural Sciences and Engineering Research Council of Canada under the Discovery Grants program and Canadian Graduate Scholarship.</a:t>
-            </a:r>
-            <a:endParaRPr lang="en-CA" sz="3200" dirty="0"/>
+              <a:rPr lang="en-US" sz="3600" dirty="0" smtClean="0"/>
+              <a:t>Anchor points extrapolated from the sparse landmarks were used to constrain the deformation of a healthy spine model [2] to patient anatomy.</a:t>
+            </a:r>
+          </a:p>
+          <a:p>
+            <a:pPr marL="571500" indent="-571500" algn="just">
+              <a:spcBef>
+                <a:spcPts val="1200"/>
+              </a:spcBef>
+              <a:buFont typeface="Arial" panose="020B0604020202020204" pitchFamily="34" charset="0"/>
+              <a:buChar char="•"/>
+              <a:defRPr/>
+            </a:pPr>
+            <a:r>
+              <a:rPr lang="en-US" sz="3600" dirty="0" smtClean="0"/>
+              <a:t>For </a:t>
+            </a:r>
+            <a:r>
+              <a:rPr lang="en-US" sz="3600" dirty="0" smtClean="0"/>
+              <a:t>ground-truth, 5 </a:t>
+            </a:r>
+            <a:r>
+              <a:rPr lang="en-US" sz="3600" dirty="0"/>
+              <a:t>CT volumes with spinal deformities were </a:t>
+            </a:r>
+            <a:r>
+              <a:rPr lang="en-US" sz="3600" dirty="0" smtClean="0"/>
+              <a:t>used.</a:t>
+            </a:r>
+          </a:p>
+          <a:p>
+            <a:pPr marL="571500" indent="-571500" algn="just">
+              <a:spcBef>
+                <a:spcPts val="1200"/>
+              </a:spcBef>
+              <a:buFont typeface="Arial" panose="020B0604020202020204" pitchFamily="34" charset="0"/>
+              <a:buChar char="•"/>
+              <a:defRPr/>
+            </a:pPr>
+            <a:r>
+              <a:rPr lang="en-US" sz="3600" dirty="0" smtClean="0"/>
+              <a:t>Transverse processes were manually located on ground-truth CTs</a:t>
+            </a:r>
+            <a:r>
+              <a:rPr lang="en-US" sz="3600" dirty="0" smtClean="0"/>
+              <a:t>.</a:t>
+            </a:r>
+          </a:p>
+          <a:p>
+            <a:pPr marL="571500" indent="-571500" algn="just">
+              <a:spcBef>
+                <a:spcPts val="1200"/>
+              </a:spcBef>
+              <a:buFont typeface="Arial" panose="020B0604020202020204" pitchFamily="34" charset="0"/>
+              <a:buChar char="•"/>
+              <a:defRPr/>
+            </a:pPr>
+            <a:r>
+              <a:rPr lang="en-US" sz="3600" dirty="0" smtClean="0"/>
+              <a:t>An anchor points was automatically added towards the vertebral body from each transverse process landmark.</a:t>
+            </a:r>
+            <a:endParaRPr lang="en-US" sz="3600" dirty="0"/>
           </a:p>
         </p:txBody>
       </p:sp>
@@ -4843,9 +4807,34 @@
               <a:defRPr/>
             </a:pPr>
             <a:r>
+              <a:rPr lang="en-CA" sz="3600" dirty="0" smtClean="0"/>
+              <a:t>To visualize </a:t>
+            </a:r>
+            <a:r>
               <a:rPr lang="en-CA" sz="3600" dirty="0"/>
-              <a:t>Visualize full spinal anatomy of patients with spinal deformities using ultrasound-accessible landmark localizations (transverse processes) as the only input for visualization</a:t>
-            </a:r>
+              <a:t>full spinal </a:t>
+            </a:r>
+            <a:r>
+              <a:rPr lang="en-CA" sz="3600" dirty="0" smtClean="0"/>
+              <a:t>anatomy, in the presence of severe deformities, </a:t>
+            </a:r>
+            <a:r>
+              <a:rPr lang="en-CA" sz="3600" dirty="0"/>
+              <a:t>using ultrasound-accessible </a:t>
+            </a:r>
+            <a:r>
+              <a:rPr lang="en-CA" sz="3600" dirty="0" smtClean="0"/>
+              <a:t>landmarks sparse (transverse </a:t>
+            </a:r>
+            <a:r>
+              <a:rPr lang="en-CA" sz="3600" dirty="0"/>
+              <a:t>processes) </a:t>
+            </a:r>
+            <a:r>
+              <a:rPr lang="en-CA" sz="3600" dirty="0" smtClean="0"/>
+              <a:t>alone, without the need for ionizing radiation.</a:t>
+            </a:r>
+            <a:endParaRPr lang="en-CA" sz="3600" dirty="0"/>
           </a:p>
         </p:txBody>
       </p:sp>
@@ -5043,8 +5032,8 @@
         </p:nvSpPr>
         <p:spPr bwMode="auto">
           <a:xfrm>
-            <a:off x="16635752" y="34719311"/>
-            <a:ext cx="15928521" cy="2355373"/>
+            <a:off x="16635752" y="33963361"/>
+            <a:ext cx="15928521" cy="3111324"/>
           </a:xfrm>
           <a:prstGeom prst="rect">
             <a:avLst/>
@@ -5089,7 +5078,7 @@
         <p:spPr bwMode="auto">
           <a:xfrm>
             <a:off x="17095684" y="5027407"/>
-            <a:ext cx="7320399" cy="17596364"/>
+            <a:ext cx="8436522" cy="17596364"/>
           </a:xfrm>
           <a:prstGeom prst="rect">
             <a:avLst/>
@@ -5117,9 +5106,34 @@
               <a:defRPr/>
             </a:pPr>
             <a:r>
+              <a:rPr lang="en-CA" sz="3600" dirty="0" smtClean="0"/>
+              <a:t>The model </a:t>
+            </a:r>
+            <a:r>
+              <a:rPr lang="en-CA" sz="3600" dirty="0" smtClean="0"/>
+              <a:t>was </a:t>
+            </a:r>
+            <a:r>
               <a:rPr lang="en-CA" sz="3600" dirty="0"/>
-              <a:t>Atlas was registered to all patients CTs and compared to ground-truth segmentation</a:t>
-            </a:r>
+              <a:t>registered to </a:t>
+            </a:r>
+            <a:r>
+              <a:rPr lang="en-CA" sz="3600" dirty="0" smtClean="0"/>
+              <a:t>patient landmarks </a:t>
+            </a:r>
+            <a:r>
+              <a:rPr lang="en-CA" sz="3600" dirty="0"/>
+              <a:t>and compared </a:t>
+            </a:r>
+            <a:r>
+              <a:rPr lang="en-CA" sz="3600" dirty="0" smtClean="0"/>
+              <a:t>to ground-truth </a:t>
+            </a:r>
+            <a:r>
+              <a:rPr lang="en-CA" sz="3600" dirty="0" smtClean="0"/>
+              <a:t>segmentations.</a:t>
+            </a:r>
+            <a:endParaRPr lang="en-CA" sz="3600" dirty="0"/>
           </a:p>
           <a:p>
             <a:pPr marL="571500" indent="-571500" algn="just">
@@ -5132,8 +5146,13 @@
             </a:pPr>
             <a:r>
               <a:rPr lang="en-US" sz="3600" dirty="0"/>
-              <a:t>Average and maximum Hausdorff distances were computed</a:t>
-            </a:r>
+              <a:t>Average and maximum Hausdorff distances were </a:t>
+            </a:r>
+            <a:r>
+              <a:rPr lang="en-US" sz="3600" dirty="0" smtClean="0"/>
+              <a:t>computed.</a:t>
+            </a:r>
+            <a:endParaRPr lang="en-US" sz="3600" dirty="0"/>
           </a:p>
           <a:p>
             <a:pPr marL="571500" indent="-571500" algn="just">
@@ -5145,19 +5164,9 @@
               <a:defRPr/>
             </a:pPr>
             <a:r>
-              <a:rPr lang="en-US" sz="3600" dirty="0"/>
-              <a:t>Registration to ground-truth distances were computed and represented as error maps</a:t>
-            </a:r>
-          </a:p>
-          <a:p>
-            <a:pPr marL="571500" indent="-571500" algn="just">
-              <a:spcBef>
-                <a:spcPts val="600"/>
-              </a:spcBef>
-              <a:buFont typeface="Arial" panose="020B0604020202020204" pitchFamily="34" charset="0"/>
-              <a:buChar char="•"/>
-              <a:defRPr/>
-            </a:pPr>
+              <a:rPr lang="en-US" sz="3600" dirty="0" smtClean="0"/>
+              <a:t>Surface registration errors were computed as heat maps and displayed on corresponding patient visualizations.</a:t>
+            </a:r>
             <a:endParaRPr lang="en-CA" sz="3600" dirty="0"/>
           </a:p>
         </p:txBody>
@@ -5172,8 +5181,8 @@
         </p:nvSpPr>
         <p:spPr bwMode="auto">
           <a:xfrm>
-            <a:off x="16982504" y="35706532"/>
-            <a:ext cx="15572232" cy="1368152"/>
+            <a:off x="16982503" y="34950448"/>
+            <a:ext cx="15578303" cy="2124236"/>
           </a:xfrm>
           <a:prstGeom prst="rect">
             <a:avLst/>
@@ -5201,12 +5210,40 @@
               <a:defRPr/>
             </a:pPr>
             <a:r>
+              <a:rPr lang="en-CA" sz="3200" dirty="0" smtClean="0"/>
+              <a:t>[1] </a:t>
+            </a:r>
+            <a:r>
+              <a:rPr lang="en-CA" sz="3200" dirty="0" err="1" smtClean="0"/>
+              <a:t>Ungi</a:t>
+            </a:r>
+            <a:r>
+              <a:rPr lang="en-CA" sz="3200" dirty="0" smtClean="0"/>
+              <a:t> </a:t>
+            </a:r>
+            <a:r>
               <a:rPr lang="en-CA" sz="3200" dirty="0"/>
-              <a:t>Ungi T et al. </a:t>
+              <a:t>T et al. </a:t>
             </a:r>
             <a:r>
               <a:rPr lang="en-US" sz="3200" dirty="0"/>
-              <a:t>Spinal curvature measurement by tracked ultrasound snapshots. Ultrasound in medicine and biology. 2014 Feb;40(10):447-545.</a:t>
+              <a:t>Spinal curvature measurement by tracked ultrasound snapshots. Ultrasound in medicine and biology. 2014 Feb;40(10):447-545</a:t>
+            </a:r>
+            <a:r>
+              <a:rPr lang="en-US" sz="3200" dirty="0" smtClean="0"/>
+              <a:t>.</a:t>
+            </a:r>
+          </a:p>
+          <a:p>
+            <a:pPr algn="just">
+              <a:spcBef>
+                <a:spcPts val="1200"/>
+              </a:spcBef>
+              <a:defRPr/>
+            </a:pPr>
+            <a:r>
+              <a:rPr lang="en-US" sz="3200" dirty="0" smtClean="0"/>
+              <a:t>[2] </a:t>
             </a:r>
             <a:endParaRPr lang="en-CA" sz="3200" dirty="0"/>
           </a:p>
@@ -5221,9 +5258,9 @@
         <p:grpSpPr>
           <a:xfrm>
             <a:off x="369385" y="4061923"/>
-            <a:ext cx="15937415" cy="10344796"/>
+            <a:ext cx="15930158" cy="10344796"/>
             <a:chOff x="357598" y="4061920"/>
-            <a:chExt cx="15937415" cy="10842180"/>
+            <a:chExt cx="15930158" cy="10842180"/>
           </a:xfrm>
           <a:solidFill>
             <a:srgbClr val="9A0E2C"/>
@@ -5284,8 +5321,8 @@
           </p:nvSpPr>
           <p:spPr bwMode="auto">
             <a:xfrm>
-              <a:off x="689449" y="4991098"/>
-              <a:ext cx="15605564" cy="9913002"/>
+              <a:off x="689449" y="5035771"/>
+              <a:ext cx="15598307" cy="9868329"/>
             </a:xfrm>
             <a:prstGeom prst="rect">
               <a:avLst/>
@@ -5331,8 +5368,8 @@
           </p:nvSpPr>
           <p:spPr bwMode="auto">
             <a:xfrm>
-              <a:off x="785751" y="5029199"/>
-              <a:ext cx="8686800" cy="9345215"/>
+              <a:off x="785751" y="5067536"/>
+              <a:ext cx="8686800" cy="9521749"/>
             </a:xfrm>
             <a:prstGeom prst="rect">
               <a:avLst/>
@@ -5356,7 +5393,67 @@
                   <a:spcPts val="600"/>
                 </a:spcBef>
                 <a:spcAft>
+                  <a:spcPts val="1800"/>
+                </a:spcAft>
+                <a:buFont typeface="Arial" panose="020B0604020202020204" pitchFamily="34" charset="0"/>
+                <a:buChar char="•"/>
+                <a:defRPr/>
+              </a:pPr>
+              <a:r>
+                <a:rPr lang="en-US" sz="3600" dirty="0" smtClean="0"/>
+                <a:t>The spine is often </a:t>
+              </a:r>
+              <a:r>
+                <a:rPr lang="en-US" sz="3600" dirty="0"/>
+                <a:t>visualized by </a:t>
+              </a:r>
+              <a:r>
+                <a:rPr lang="en-US" sz="3600" dirty="0" smtClean="0"/>
+                <a:t>CT, X-ray</a:t>
+              </a:r>
+              <a:r>
+                <a:rPr lang="en-US" sz="3600" dirty="0"/>
+                <a:t>, </a:t>
+              </a:r>
+              <a:r>
+                <a:rPr lang="en-US" sz="3600" dirty="0" smtClean="0"/>
+                <a:t>resulting in radiation exposure or MRI, having limited availability.</a:t>
+              </a:r>
+              <a:endParaRPr lang="en-US" sz="3600" dirty="0"/>
+            </a:p>
+            <a:p>
+              <a:pPr marL="457200" indent="-457200" algn="just">
+                <a:spcBef>
                   <a:spcPts val="600"/>
+                </a:spcBef>
+                <a:spcAft>
+                  <a:spcPts val="1800"/>
+                </a:spcAft>
+                <a:buFont typeface="Arial" panose="020B0604020202020204" pitchFamily="34" charset="0"/>
+                <a:buChar char="•"/>
+                <a:defRPr/>
+              </a:pPr>
+              <a:r>
+                <a:rPr lang="en-US" sz="3600" dirty="0" smtClean="0"/>
+                <a:t>Ultrasound </a:t>
+              </a:r>
+              <a:r>
+                <a:rPr lang="en-US" sz="3600" dirty="0"/>
+                <a:t>is a safe, inexpensive, and </a:t>
+              </a:r>
+              <a:r>
+                <a:rPr lang="en-US" sz="3600" dirty="0" smtClean="0"/>
+                <a:t>accessible imaging modality.</a:t>
+              </a:r>
+              <a:endParaRPr lang="en-US" sz="3600" dirty="0"/>
+            </a:p>
+            <a:p>
+              <a:pPr marL="457200" indent="-457200" algn="just">
+                <a:spcBef>
+                  <a:spcPts val="600"/>
+                </a:spcBef>
+                <a:spcAft>
+                  <a:spcPts val="1800"/>
                 </a:spcAft>
                 <a:buFont typeface="Arial" panose="020B0604020202020204" pitchFamily="34" charset="0"/>
                 <a:buChar char="•"/>
@@ -5364,7 +5461,33 @@
               </a:pPr>
               <a:r>
                 <a:rPr lang="en-US" sz="3600" dirty="0"/>
-                <a:t>Spine anatomy is complex, and some diseases cause spine deformities</a:t>
+                <a:t>Spine landmarks, such as transverse processes can be localized in ultrasound </a:t>
+              </a:r>
+              <a:r>
+                <a:rPr lang="en-US" sz="3600" dirty="0" smtClean="0"/>
+                <a:t>[1].</a:t>
+              </a:r>
+              <a:endParaRPr lang="en-US" sz="3600" dirty="0"/>
+            </a:p>
+            <a:p>
+              <a:pPr marL="457200" indent="-457200" algn="just">
+                <a:spcBef>
+                  <a:spcPts val="600"/>
+                </a:spcBef>
+                <a:spcAft>
+                  <a:spcPts val="1800"/>
+                </a:spcAft>
+                <a:buFont typeface="Arial" panose="020B0604020202020204" pitchFamily="34" charset="0"/>
+                <a:buChar char="•"/>
+                <a:defRPr/>
+              </a:pPr>
+              <a:r>
+                <a:rPr lang="en-US" sz="3600" dirty="0"/>
+                <a:t>Spinal curvatures can be measured from ultrasound landmarks (Fig 1</a:t>
+              </a:r>
+              <a:r>
+                <a:rPr lang="en-US" sz="3600" dirty="0" smtClean="0"/>
+                <a:t>).</a:t>
               </a:r>
             </a:p>
             <a:p>
@@ -5373,103 +5496,26 @@
                   <a:spcPts val="600"/>
                 </a:spcBef>
                 <a:spcAft>
-                  <a:spcPts val="600"/>
+                  <a:spcPts val="1800"/>
                 </a:spcAft>
                 <a:buFont typeface="Arial" panose="020B0604020202020204" pitchFamily="34" charset="0"/>
                 <a:buChar char="•"/>
                 <a:defRPr/>
               </a:pPr>
               <a:r>
-                <a:rPr lang="en-US" sz="3600" dirty="0"/>
-                <a:t>Pathological spine curvatures are often visualized by X-ray, CT, or MRI</a:t>
+                <a:rPr lang="en-US" sz="3600" dirty="0" smtClean="0"/>
+                <a:t>Anatomic landmarks alone do not allow spine visualization in a familiar manner to the clinician and patient.</a:t>
               </a:r>
+              <a:endParaRPr lang="en-US" sz="3600" dirty="0"/>
             </a:p>
             <a:p>
-              <a:pPr marL="457200" indent="-457200" algn="just">
+              <a:pPr algn="just">
                 <a:spcBef>
                   <a:spcPts val="600"/>
                 </a:spcBef>
                 <a:spcAft>
                   <a:spcPts val="600"/>
                 </a:spcAft>
-                <a:buFont typeface="Arial" panose="020B0604020202020204" pitchFamily="34" charset="0"/>
-                <a:buChar char="•"/>
-                <a:defRPr/>
-              </a:pPr>
-              <a:r>
-                <a:rPr lang="en-US" sz="3600" dirty="0"/>
-                <a:t>The problem with CT and X-ray is radiation exposure, while MRI has limited availability and high cost</a:t>
-              </a:r>
-            </a:p>
-            <a:p>
-              <a:pPr marL="457200" indent="-457200" algn="just">
-                <a:spcBef>
-                  <a:spcPts val="600"/>
-                </a:spcBef>
-                <a:spcAft>
-                  <a:spcPts val="600"/>
-                </a:spcAft>
-                <a:buFont typeface="Arial" panose="020B0604020202020204" pitchFamily="34" charset="0"/>
-                <a:buChar char="•"/>
-                <a:defRPr/>
-              </a:pPr>
-              <a:r>
-                <a:rPr lang="en-US" sz="3600" dirty="0"/>
-                <a:t>Ultrasound is a safe, inexpensive, and widely accessible alternative imaging modality</a:t>
-              </a:r>
-            </a:p>
-            <a:p>
-              <a:pPr marL="457200" indent="-457200" algn="just">
-                <a:spcBef>
-                  <a:spcPts val="600"/>
-                </a:spcBef>
-                <a:spcAft>
-                  <a:spcPts val="600"/>
-                </a:spcAft>
-                <a:buFont typeface="Arial" panose="020B0604020202020204" pitchFamily="34" charset="0"/>
-                <a:buChar char="•"/>
-                <a:defRPr/>
-              </a:pPr>
-              <a:r>
-                <a:rPr lang="en-US" sz="3600" dirty="0"/>
-                <a:t>Spine landmarks, such as transverse processes can be localized in ultrasound (Ungi </a:t>
-              </a:r>
-              <a:r>
-                <a:rPr lang="en-US" sz="3600" i="1" dirty="0"/>
-                <a:t>et al</a:t>
-              </a:r>
-              <a:r>
-                <a:rPr lang="en-US" sz="3600" dirty="0"/>
-                <a:t>. 2014)</a:t>
-              </a:r>
-            </a:p>
-            <a:p>
-              <a:pPr marL="457200" indent="-457200" algn="just">
-                <a:spcBef>
-                  <a:spcPts val="600"/>
-                </a:spcBef>
-                <a:spcAft>
-                  <a:spcPts val="600"/>
-                </a:spcAft>
-                <a:buFont typeface="Arial" panose="020B0604020202020204" pitchFamily="34" charset="0"/>
-                <a:buChar char="•"/>
-                <a:defRPr/>
-              </a:pPr>
-              <a:r>
-                <a:rPr lang="en-US" sz="3600" dirty="0"/>
-                <a:t>Spinal curvatures can be measured from ultrasound landmarks (Fig 1)</a:t>
-              </a:r>
-            </a:p>
-            <a:p>
-              <a:pPr marL="457200" indent="-457200" algn="just">
-                <a:spcBef>
-                  <a:spcPts val="600"/>
-                </a:spcBef>
-                <a:spcAft>
-                  <a:spcPts val="600"/>
-                </a:spcAft>
-                <a:buFont typeface="Arial" panose="020B0604020202020204" pitchFamily="34" charset="0"/>
-                <a:buChar char="•"/>
                 <a:defRPr/>
               </a:pPr>
               <a:endParaRPr lang="en-US" sz="3600" dirty="0"/>
@@ -5525,13 +5571,13 @@
                 </a:ext>
               </a:extLst>
             </a:blip>
-            <a:srcRect t="9360" b="15220"/>
+            <a:srcRect l="11799" r="11799"/>
             <a:stretch/>
           </p:blipFill>
           <p:spPr>
             <a:xfrm>
-              <a:off x="9594807" y="5220312"/>
-              <a:ext cx="6420558" cy="7794659"/>
+              <a:off x="9630811" y="5289474"/>
+              <a:ext cx="6348550" cy="7656336"/>
             </a:xfrm>
             <a:prstGeom prst="rect">
               <a:avLst/>
@@ -5549,14 +5595,14 @@
           <p:nvPr>
             <p:extLst>
               <p:ext uri="{D42A27DB-BD31-4B8C-83A1-F6EECF244321}">
-                <p14:modId xmlns:p14="http://schemas.microsoft.com/office/powerpoint/2010/main" val="2887306785"/>
+                <p14:modId xmlns:p14="http://schemas.microsoft.com/office/powerpoint/2010/main" val="1612711656"/>
               </p:ext>
             </p:extLst>
           </p:nvPr>
         </p:nvGraphicFramePr>
         <p:xfrm>
-          <a:off x="24632108" y="5209316"/>
-          <a:ext cx="7710054" cy="5438432"/>
+          <a:off x="25532207" y="5209316"/>
+          <a:ext cx="6809956" cy="5438432"/>
         </p:xfrm>
         <a:graphic>
           <a:graphicData uri="http://schemas.openxmlformats.org/drawingml/2006/table">
@@ -5565,21 +5611,21 @@
                 <a:tableStyleId>{073A0DAA-6AF3-43AB-8588-CEC1D06C72B9}</a:tableStyleId>
               </a:tblPr>
               <a:tblGrid>
-                <a:gridCol w="2394798">
+                <a:gridCol w="2115221">
                   <a:extLst>
                     <a:ext uri="{9D8B030D-6E8A-4147-A177-3AD203B41FA5}">
                       <a16:colId xmlns:a16="http://schemas.microsoft.com/office/drawing/2014/main" xmlns="" val="20000"/>
                     </a:ext>
                   </a:extLst>
                 </a:gridCol>
-                <a:gridCol w="2653006">
+                <a:gridCol w="2343284">
                   <a:extLst>
                     <a:ext uri="{9D8B030D-6E8A-4147-A177-3AD203B41FA5}">
                       <a16:colId xmlns:a16="http://schemas.microsoft.com/office/drawing/2014/main" xmlns="" val="20001"/>
                     </a:ext>
                   </a:extLst>
                 </a:gridCol>
-                <a:gridCol w="2662250">
+                <a:gridCol w="2351451">
                   <a:extLst>
                     <a:ext uri="{9D8B030D-6E8A-4147-A177-3AD203B41FA5}">
                       <a16:colId xmlns:a16="http://schemas.microsoft.com/office/drawing/2014/main" xmlns="" val="20002"/>
@@ -6815,13 +6861,13 @@
               </a:ext>
             </a:extLst>
           </a:blip>
-          <a:srcRect l="651" t="1020" r="2033" b="1699"/>
+          <a:srcRect l="651" t="1020" r="2328" b="1699"/>
           <a:stretch/>
         </p:blipFill>
         <p:spPr>
           <a:xfrm>
             <a:off x="17323296" y="10880722"/>
-            <a:ext cx="15092057" cy="12368426"/>
+            <a:ext cx="15018865" cy="12345894"/>
           </a:xfrm>
           <a:prstGeom prst="rect">
             <a:avLst/>
@@ -6849,7 +6895,7 @@
         </p:blipFill>
         <p:spPr>
           <a:xfrm>
-            <a:off x="10055915" y="19286227"/>
+            <a:off x="10053430" y="19276032"/>
             <a:ext cx="5971237" cy="5996677"/>
           </a:xfrm>
           <a:prstGeom prst="rect">
@@ -6857,35 +6903,6 @@
           </a:prstGeom>
         </p:spPr>
       </p:pic>
-      <p:pic>
-        <p:nvPicPr>
-          <p:cNvPr id="9" name="Picture 8"/>
-          <p:cNvPicPr>
-            <a:picLocks noChangeAspect="1"/>
-          </p:cNvPicPr>
-          <p:nvPr/>
-        </p:nvPicPr>
-        <p:blipFill rotWithShape="1">
-          <a:blip r:embed="rId6">
-            <a:extLst>
-              <a:ext uri="{28A0092B-C50C-407E-A947-70E740481C1C}">
-                <a14:useLocalDpi xmlns:a14="http://schemas.microsoft.com/office/drawing/2010/main" val="0"/>
-              </a:ext>
-            </a:extLst>
-          </a:blip>
-          <a:srcRect t="4827" b="9605"/>
-          <a:stretch/>
-        </p:blipFill>
-        <p:spPr>
-          <a:xfrm>
-            <a:off x="1085492" y="26600678"/>
-            <a:ext cx="7362945" cy="9105854"/>
-          </a:xfrm>
-          <a:prstGeom prst="rect">
-            <a:avLst/>
-          </a:prstGeom>
-        </p:spPr>
-      </p:pic>
       <p:sp>
         <p:nvSpPr>
           <p:cNvPr id="67" name="TextBox 66"/>
@@ -6894,7 +6911,7 @@
         </p:nvSpPr>
         <p:spPr>
           <a:xfrm>
-            <a:off x="10055915" y="25351486"/>
+            <a:off x="10055915" y="25301376"/>
             <a:ext cx="5971237" cy="1015663"/>
           </a:xfrm>
           <a:prstGeom prst="rect">
@@ -6914,40 +6931,19 @@
             </a:r>
             <a:r>
               <a:rPr lang="en-CA" sz="3000" dirty="0"/>
-              <a:t> Transverse processes (red), additional anchor points (green)</a:t>
-            </a:r>
-          </a:p>
-        </p:txBody>
-      </p:sp>
-      <p:pic>
-        <p:nvPicPr>
-          <p:cNvPr id="11" name="Picture 10"/>
-          <p:cNvPicPr>
-            <a:picLocks noChangeAspect="1"/>
-          </p:cNvPicPr>
-          <p:nvPr/>
-        </p:nvPicPr>
-        <p:blipFill rotWithShape="1">
-          <a:blip r:embed="rId7">
-            <a:extLst>
-              <a:ext uri="{28A0092B-C50C-407E-A947-70E740481C1C}">
-                <a14:useLocalDpi xmlns:a14="http://schemas.microsoft.com/office/drawing/2010/main" val="0"/>
-              </a:ext>
-            </a:extLst>
-          </a:blip>
-          <a:srcRect l="23173" t="7637" r="23173" b="8762"/>
-          <a:stretch/>
-        </p:blipFill>
-        <p:spPr>
-          <a:xfrm>
-            <a:off x="8744698" y="26600678"/>
-            <a:ext cx="7282454" cy="9105854"/>
-          </a:xfrm>
-          <a:prstGeom prst="rect">
-            <a:avLst/>
-          </a:prstGeom>
-        </p:spPr>
-      </p:pic>
+              <a:t> Transverse processes (red), </a:t>
+            </a:r>
+            <a:r>
+              <a:rPr lang="en-CA" sz="3000" dirty="0" smtClean="0"/>
+              <a:t>anchor </a:t>
+            </a:r>
+            <a:r>
+              <a:rPr lang="en-CA" sz="3000" dirty="0"/>
+              <a:t>points (green)</a:t>
+            </a:r>
+          </a:p>
+        </p:txBody>
+      </p:sp>
       <p:sp>
         <p:nvSpPr>
           <p:cNvPr id="72" name="TextBox 71"/>
@@ -6956,8 +6952,8 @@
         </p:nvSpPr>
         <p:spPr>
           <a:xfrm>
-            <a:off x="1315876" y="35727858"/>
-            <a:ext cx="7039268" cy="1015663"/>
+            <a:off x="7863562" y="35454504"/>
+            <a:ext cx="8398845" cy="1477328"/>
           </a:xfrm>
           <a:prstGeom prst="rect">
             <a:avLst/>
@@ -6976,8 +6972,13 @@
             </a:r>
             <a:r>
               <a:rPr lang="en-CA" sz="3000" dirty="0"/>
-              <a:t> Registration computes transforms displacing model points to patient’s</a:t>
-            </a:r>
+              <a:t> </a:t>
+            </a:r>
+            <a:r>
+              <a:rPr lang="en-CA" sz="3000" dirty="0" smtClean="0"/>
+              <a:t>Yellow arrows show sample landmark registration displacements and cyan wireframe showing the resulting displacement field</a:t>
+            </a:r>
+            <a:endParaRPr lang="en-CA" sz="3000" dirty="0"/>
           </a:p>
         </p:txBody>
       </p:sp>
@@ -7005,48 +7006,23 @@
           <a:p>
             <a:r>
               <a:rPr lang="en-CA" sz="3000" b="1" dirty="0"/>
-              <a:t>Fig 5.</a:t>
+              <a:t>Fig </a:t>
+            </a:r>
+            <a:r>
+              <a:rPr lang="en-CA" sz="3000" b="1" dirty="0" smtClean="0"/>
+              <a:t>4.</a:t>
+            </a:r>
+            <a:r>
+              <a:rPr lang="en-CA" sz="3000" dirty="0" smtClean="0"/>
+              <a:t> </a:t>
             </a:r>
             <a:r>
               <a:rPr lang="en-CA" sz="3000" dirty="0"/>
-              <a:t> Registrations compared to CT-derived patient ground-truth. Error map shows distance between surfaces from blue (most accurate) to red (least accurate)</a:t>
-            </a:r>
-          </a:p>
-        </p:txBody>
-      </p:sp>
-      <p:sp>
-        <p:nvSpPr>
-          <p:cNvPr id="40" name="TextBox 39"/>
-          <p:cNvSpPr txBox="1"/>
-          <p:nvPr/>
-        </p:nvSpPr>
-        <p:spPr>
-          <a:xfrm>
-            <a:off x="9071477" y="35814667"/>
-            <a:ext cx="6425449" cy="1015663"/>
-          </a:xfrm>
-          <a:prstGeom prst="rect">
-            <a:avLst/>
-          </a:prstGeom>
-          <a:noFill/>
-        </p:spPr>
-        <p:txBody>
-          <a:bodyPr wrap="square" rtlCol="0">
-            <a:spAutoFit/>
-          </a:bodyPr>
-          <a:lstStyle/>
-          <a:p>
-            <a:r>
-              <a:rPr lang="en-CA" sz="3000" b="1" dirty="0"/>
-              <a:t>Fig 4.</a:t>
-            </a:r>
-            <a:r>
-              <a:rPr lang="en-CA" sz="3000" dirty="0"/>
-              <a:t> </a:t>
-            </a:r>
-            <a:r>
-              <a:rPr lang="en-US" sz="3000" dirty="0"/>
-              <a:t>Thin-plate spline interpolation of healthy model to patient anatomy</a:t>
+              <a:t>Registrations compared to CT-derived patient ground-truth. Error map shows distance between surfaces from blue (most accurate) to red (least accurate</a:t>
+            </a:r>
+            <a:r>
+              <a:rPr lang="en-CA" sz="3000" dirty="0" smtClean="0"/>
+              <a:t>).</a:t>
             </a:r>
             <a:endParaRPr lang="en-CA" sz="3000" dirty="0"/>
           </a:p>
@@ -7061,7 +7037,7 @@
           <p:nvPr/>
         </p:nvPicPr>
         <p:blipFill>
-          <a:blip r:embed="rId8" cstate="print">
+          <a:blip r:embed="rId6" cstate="print">
             <a:extLst>
               <a:ext uri="{28A0092B-C50C-407E-A947-70E740481C1C}">
                 <a14:useLocalDpi xmlns:a14="http://schemas.microsoft.com/office/drawing/2010/main" val="0"/>
@@ -7099,7 +7075,7 @@
           <p:nvPr/>
         </p:nvPicPr>
         <p:blipFill>
-          <a:blip r:embed="rId9" cstate="print">
+          <a:blip r:embed="rId7" cstate="print">
             <a:extLst>
               <a:ext uri="{28A0092B-C50C-407E-A947-70E740481C1C}">
                 <a14:useLocalDpi xmlns:a14="http://schemas.microsoft.com/office/drawing/2010/main" val="0"/>
@@ -7137,7 +7113,7 @@
           <p:nvPr/>
         </p:nvPicPr>
         <p:blipFill>
-          <a:blip r:embed="rId10">
+          <a:blip r:embed="rId8">
             <a:extLst>
               <a:ext uri="{28A0092B-C50C-407E-A947-70E740481C1C}">
                 <a14:useLocalDpi xmlns:a14="http://schemas.microsoft.com/office/drawing/2010/main" val="0"/>
@@ -7178,7 +7154,7 @@
           <p:nvPr/>
         </p:nvPicPr>
         <p:blipFill rotWithShape="1">
-          <a:blip r:embed="rId11">
+          <a:blip r:embed="rId9">
             <a:extLst>
               <a:ext uri="{28A0092B-C50C-407E-A947-70E740481C1C}">
                 <a14:useLocalDpi xmlns:a14="http://schemas.microsoft.com/office/drawing/2010/main" val="0"/>
@@ -7198,11 +7174,226 @@
           </a:prstGeom>
         </p:spPr>
       </p:pic>
+      <p:sp>
+        <p:nvSpPr>
+          <p:cNvPr id="41" name="Rectangle 9"/>
+          <p:cNvSpPr>
+            <a:spLocks noChangeArrowheads="1"/>
+          </p:cNvSpPr>
+          <p:nvPr/>
+        </p:nvSpPr>
+        <p:spPr bwMode="auto">
+          <a:xfrm>
+            <a:off x="16668005" y="29873884"/>
+            <a:ext cx="15928521" cy="3816424"/>
+          </a:xfrm>
+          <a:prstGeom prst="rect">
+            <a:avLst/>
+          </a:prstGeom>
+          <a:solidFill>
+            <a:srgbClr val="9A0E2C"/>
+          </a:solidFill>
+          <a:ln w="38100">
+            <a:solidFill>
+              <a:schemeClr val="tx1"/>
+            </a:solidFill>
+            <a:miter lim="800000"/>
+            <a:headEnd/>
+            <a:tailEnd/>
+          </a:ln>
+        </p:spPr>
+        <p:txBody>
+          <a:bodyPr wrap="none" lIns="96010" tIns="48006" rIns="96010" bIns="48006"/>
+          <a:lstStyle/>
+          <a:p>
+            <a:pPr indent="265113"/>
+            <a:r>
+              <a:rPr lang="en-US" sz="6000" b="1" dirty="0">
+                <a:solidFill>
+                  <a:srgbClr val="FBF5CD"/>
+                </a:solidFill>
+                <a:latin typeface="+mj-lt"/>
+              </a:rPr>
+              <a:t>Acknowledgement</a:t>
+            </a:r>
+          </a:p>
+        </p:txBody>
+      </p:sp>
+      <p:sp>
+        <p:nvSpPr>
+          <p:cNvPr id="42" name="Rectangle 25"/>
+          <p:cNvSpPr>
+            <a:spLocks noChangeArrowheads="1"/>
+          </p:cNvSpPr>
+          <p:nvPr/>
+        </p:nvSpPr>
+        <p:spPr bwMode="auto">
+          <a:xfrm>
+            <a:off x="17026264" y="30918001"/>
+            <a:ext cx="15570262" cy="2772308"/>
+          </a:xfrm>
+          <a:prstGeom prst="rect">
+            <a:avLst/>
+          </a:prstGeom>
+          <a:solidFill>
+            <a:srgbClr val="F8DBA6"/>
+          </a:solidFill>
+          <a:ln w="38100">
+            <a:solidFill>
+              <a:schemeClr val="tx1"/>
+            </a:solidFill>
+            <a:miter lim="800000"/>
+            <a:headEnd/>
+            <a:tailEnd/>
+          </a:ln>
+        </p:spPr>
+        <p:txBody>
+          <a:bodyPr lIns="288000" tIns="180000" rIns="288000" bIns="180000"/>
+          <a:lstStyle/>
+          <a:p>
+            <a:pPr algn="just">
+              <a:spcBef>
+                <a:spcPts val="1200"/>
+              </a:spcBef>
+              <a:defRPr/>
+            </a:pPr>
+            <a:r>
+              <a:rPr lang="en-US" sz="3200" dirty="0"/>
+              <a:t>This work was made possible by funding from: Province of Ontario; Cancer Care Ontario with funds from the Ministry of Health; Long-Term Care for an Applied Cancer Research Unit; Research Chair in Cancer Imaging; Natural Sciences and Engineering Research Council of Canada under the Discovery Grants program and Canadian Graduate Scholarship.</a:t>
+            </a:r>
+            <a:endParaRPr lang="en-CA" sz="3200" dirty="0"/>
+          </a:p>
+        </p:txBody>
+      </p:sp>
+      <p:pic>
+        <p:nvPicPr>
+          <p:cNvPr id="12" name="Picture 11"/>
+          <p:cNvPicPr>
+            <a:picLocks noChangeAspect="1"/>
+          </p:cNvPicPr>
+          <p:nvPr/>
+        </p:nvPicPr>
+        <p:blipFill rotWithShape="1">
+          <a:blip r:embed="rId10">
+            <a:extLst>
+              <a:ext uri="{28A0092B-C50C-407E-A947-70E740481C1C}">
+                <a14:useLocalDpi xmlns:a14="http://schemas.microsoft.com/office/drawing/2010/main" val="0"/>
+              </a:ext>
+            </a:extLst>
+          </a:blip>
+          <a:srcRect l="18691" t="3929" r="15124" b="2035"/>
+          <a:stretch/>
+        </p:blipFill>
+        <p:spPr>
+          <a:xfrm>
+            <a:off x="7863562" y="26381496"/>
+            <a:ext cx="8127586" cy="9065386"/>
+          </a:xfrm>
+          <a:prstGeom prst="rect">
+            <a:avLst/>
+          </a:prstGeom>
+        </p:spPr>
+      </p:pic>
+      <p:sp>
+        <p:nvSpPr>
+          <p:cNvPr id="43" name="Rectangle 25"/>
+          <p:cNvSpPr>
+            <a:spLocks noChangeArrowheads="1"/>
+          </p:cNvSpPr>
+          <p:nvPr/>
+        </p:nvSpPr>
+        <p:spPr bwMode="auto">
+          <a:xfrm>
+            <a:off x="768762" y="25713784"/>
+            <a:ext cx="7088848" cy="7976524"/>
+          </a:xfrm>
+          <a:prstGeom prst="rect">
+            <a:avLst/>
+          </a:prstGeom>
+          <a:solidFill>
+            <a:srgbClr val="F8DBA6"/>
+          </a:solidFill>
+          <a:ln w="38100">
+            <a:noFill/>
+            <a:miter lim="800000"/>
+            <a:headEnd/>
+            <a:tailEnd/>
+          </a:ln>
+        </p:spPr>
+        <p:txBody>
+          <a:bodyPr lIns="274320" tIns="180000" rIns="274320" bIns="180000"/>
+          <a:lstStyle/>
+          <a:p>
+            <a:pPr marL="571500" indent="-571500" algn="just">
+              <a:spcBef>
+                <a:spcPts val="1200"/>
+              </a:spcBef>
+              <a:buFont typeface="Arial" panose="020B0604020202020204" pitchFamily="34" charset="0"/>
+              <a:buChar char="•"/>
+              <a:defRPr/>
+            </a:pPr>
+            <a:r>
+              <a:rPr lang="en-US" sz="3600" dirty="0" smtClean="0"/>
+              <a:t>The direction to place anchor points was computed by cross producing vectors along the axis of the spine with vectors across the spine (Fig. 2).</a:t>
+            </a:r>
+          </a:p>
+          <a:p>
+            <a:pPr marL="571500" indent="-571500" algn="just">
+              <a:spcBef>
+                <a:spcPts val="1200"/>
+              </a:spcBef>
+              <a:buFont typeface="Arial" panose="020B0604020202020204" pitchFamily="34" charset="0"/>
+              <a:buChar char="•"/>
+              <a:defRPr/>
+            </a:pPr>
+            <a:r>
+              <a:rPr lang="en-US" sz="3600" dirty="0" smtClean="0"/>
+              <a:t>Presence of anchor points allowed the subsequent landmark registration to represent anterior-posterior anatomic scale.</a:t>
+            </a:r>
+          </a:p>
+          <a:p>
+            <a:pPr marL="571500" indent="-571500" algn="just">
+              <a:spcBef>
+                <a:spcPts val="1200"/>
+              </a:spcBef>
+              <a:buFont typeface="Arial" panose="020B0604020202020204" pitchFamily="34" charset="0"/>
+              <a:buChar char="•"/>
+              <a:defRPr/>
+            </a:pPr>
+            <a:r>
+              <a:rPr lang="en-US" sz="3600" dirty="0" smtClean="0"/>
+              <a:t>Model to patient landmark registration interpolated with thin-plate spline, producing a 3D displacement field (Fig 3).</a:t>
+            </a:r>
+          </a:p>
+          <a:p>
+            <a:pPr marL="571500" indent="-571500" algn="just">
+              <a:spcBef>
+                <a:spcPts val="1200"/>
+              </a:spcBef>
+              <a:buFont typeface="Arial" panose="020B0604020202020204" pitchFamily="34" charset="0"/>
+              <a:buChar char="•"/>
+              <a:defRPr/>
+            </a:pPr>
+            <a:r>
+              <a:rPr lang="en-US" sz="3600" dirty="0" smtClean="0"/>
+              <a:t>The displacement fields were applied to the model, warping it to the patients’ anatomy.</a:t>
+            </a:r>
+            <a:endParaRPr lang="en-CA" sz="3600" dirty="0"/>
+          </a:p>
+        </p:txBody>
+      </p:sp>
     </p:spTree>
   </p:cSld>
   <p:clrMapOvr>
     <a:masterClrMapping/>
   </p:clrMapOvr>
+  <p:timing>
+    <p:tnLst>
+      <p:par>
+        <p:cTn id="1" dur="indefinite" restart="never" nodeType="tmRoot"/>
+      </p:par>
+    </p:tnLst>
+  </p:timing>
 </p:sld>
 </file>
 

--- a/ImNO2017/Poster/ChurchSpinalVisualization_v08.pptx
+++ b/ImNO2017/Poster/ChurchSpinalVisualization_v08.pptx
@@ -2797,6 +2797,13 @@
   <p:clrMapOvr>
     <a:masterClrMapping/>
   </p:clrMapOvr>
+  <p:timing>
+    <p:tnLst>
+      <p:par>
+        <p:cTn id="1" dur="indefinite" restart="never" nodeType="tmRoot"/>
+      </p:par>
+    </p:tnLst>
+  </p:timing>
 </p:sldLayout>
 </file>
 
@@ -3677,6 +3684,13 @@
     <p:sldLayoutId id="2147483658" r:id="rId10"/>
     <p:sldLayoutId id="2147483659" r:id="rId11"/>
   </p:sldLayoutIdLst>
+  <p:timing>
+    <p:tnLst>
+      <p:par>
+        <p:cTn id="1" dur="indefinite" restart="never" nodeType="tmRoot"/>
+      </p:par>
+    </p:tnLst>
+  </p:timing>
   <p:txStyles>
     <p:titleStyle>
       <a:lvl1pPr algn="ctr" defTabSz="4608817" rtl="0" eaLnBrk="0" fontAlgn="base" hangingPunct="0">
@@ -4297,7 +4311,7 @@
         <p:spPr bwMode="auto">
           <a:xfrm>
             <a:off x="364535" y="18052026"/>
-            <a:ext cx="15928521" cy="19028658"/>
+            <a:ext cx="15928521" cy="19022658"/>
           </a:xfrm>
           <a:prstGeom prst="rect">
             <a:avLst/>
@@ -4341,8 +4355,8 @@
         </p:nvSpPr>
         <p:spPr bwMode="auto">
           <a:xfrm>
-            <a:off x="689448" y="19025419"/>
-            <a:ext cx="15603608" cy="18049265"/>
+            <a:off x="689448" y="18993161"/>
+            <a:ext cx="15603608" cy="18084284"/>
           </a:xfrm>
           <a:prstGeom prst="rect">
             <a:avLst/>
@@ -4559,11 +4573,7 @@
             </a:r>
             <a:r>
               <a:rPr lang="en-CA" sz="3600" dirty="0" smtClean="0"/>
-              <a:t>model to patient</a:t>
-            </a:r>
-            <a:r>
-              <a:rPr lang="en-CA" sz="3600" dirty="0" smtClean="0"/>
-              <a:t>.</a:t>
+              <a:t>model to patient.</a:t>
             </a:r>
           </a:p>
           <a:p>
@@ -4668,11 +4678,7 @@
             </a:pPr>
             <a:r>
               <a:rPr lang="en-US" sz="3600" dirty="0" smtClean="0"/>
-              <a:t>For </a:t>
-            </a:r>
-            <a:r>
-              <a:rPr lang="en-US" sz="3600" dirty="0" smtClean="0"/>
-              <a:t>ground-truth, 5 </a:t>
+              <a:t>For ground-truth, 5 </a:t>
             </a:r>
             <a:r>
               <a:rPr lang="en-US" sz="3600" dirty="0"/>
@@ -4694,11 +4700,7 @@
             </a:pPr>
             <a:r>
               <a:rPr lang="en-US" sz="3600" dirty="0" smtClean="0"/>
-              <a:t>Transverse processes were manually located on ground-truth CTs</a:t>
-            </a:r>
-            <a:r>
-              <a:rPr lang="en-US" sz="3600" dirty="0" smtClean="0"/>
-              <a:t>.</a:t>
+              <a:t>Transverse processes were manually located on ground-truth CTs.</a:t>
             </a:r>
           </a:p>
           <a:p>
@@ -5107,11 +5109,7 @@
             </a:pPr>
             <a:r>
               <a:rPr lang="en-CA" sz="3600" dirty="0" smtClean="0"/>
-              <a:t>The model </a:t>
-            </a:r>
-            <a:r>
-              <a:rPr lang="en-CA" sz="3600" dirty="0" smtClean="0"/>
-              <a:t>was </a:t>
+              <a:t>The model was </a:t>
             </a:r>
             <a:r>
               <a:rPr lang="en-CA" sz="3600" dirty="0"/>
@@ -5127,11 +5125,7 @@
             </a:r>
             <a:r>
               <a:rPr lang="en-CA" sz="3600" dirty="0" smtClean="0"/>
-              <a:t>to ground-truth </a:t>
-            </a:r>
-            <a:r>
-              <a:rPr lang="en-CA" sz="3600" dirty="0" smtClean="0"/>
-              <a:t>segmentations.</a:t>
+              <a:t>to ground-truth segmentations.</a:t>
             </a:r>
             <a:endParaRPr lang="en-CA" sz="3600" dirty="0"/>
           </a:p>
@@ -5243,7 +5237,11 @@
             </a:pPr>
             <a:r>
               <a:rPr lang="en-US" sz="3200" dirty="0" smtClean="0"/>
-              <a:t>[2] </a:t>
+              <a:t>[2] An N. </a:t>
+            </a:r>
+            <a:r>
+              <a:rPr lang="en-US" sz="3200" dirty="0"/>
+              <a:t>Human spine. https://grabcad.com/library/human-spine-1</a:t>
             </a:r>
             <a:endParaRPr lang="en-CA" sz="3200" dirty="0"/>
           </a:p>
@@ -5258,9 +5256,9 @@
         <p:grpSpPr>
           <a:xfrm>
             <a:off x="369385" y="4061923"/>
-            <a:ext cx="15930158" cy="10344796"/>
+            <a:ext cx="15923671" cy="10344796"/>
             <a:chOff x="357598" y="4061920"/>
-            <a:chExt cx="15930158" cy="10842180"/>
+            <a:chExt cx="15923671" cy="10842180"/>
           </a:xfrm>
           <a:solidFill>
             <a:srgbClr val="9A0E2C"/>
@@ -5277,7 +5275,7 @@
           <p:spPr bwMode="auto">
             <a:xfrm>
               <a:off x="357598" y="4061920"/>
-              <a:ext cx="15928521" cy="10842179"/>
+              <a:ext cx="15923671" cy="10842179"/>
             </a:xfrm>
             <a:prstGeom prst="rect">
               <a:avLst/>
@@ -5321,8 +5319,8 @@
           </p:nvSpPr>
           <p:spPr bwMode="auto">
             <a:xfrm>
-              <a:off x="689449" y="5035771"/>
-              <a:ext cx="15598307" cy="9868329"/>
+              <a:off x="689450" y="5035771"/>
+              <a:ext cx="15577944" cy="9868329"/>
             </a:xfrm>
             <a:prstGeom prst="rect">
               <a:avLst/>
@@ -5614,21 +5612,21 @@
                 <a:gridCol w="2115221">
                   <a:extLst>
                     <a:ext uri="{9D8B030D-6E8A-4147-A177-3AD203B41FA5}">
-                      <a16:colId xmlns:a16="http://schemas.microsoft.com/office/drawing/2014/main" xmlns="" val="20000"/>
+                      <a16:colId xmlns:a16="http://schemas.microsoft.com/office/drawing/2014/main" val="20000"/>
                     </a:ext>
                   </a:extLst>
                 </a:gridCol>
                 <a:gridCol w="2343284">
                   <a:extLst>
                     <a:ext uri="{9D8B030D-6E8A-4147-A177-3AD203B41FA5}">
-                      <a16:colId xmlns:a16="http://schemas.microsoft.com/office/drawing/2014/main" xmlns="" val="20001"/>
+                      <a16:colId xmlns:a16="http://schemas.microsoft.com/office/drawing/2014/main" val="20001"/>
                     </a:ext>
                   </a:extLst>
                 </a:gridCol>
                 <a:gridCol w="2351451">
                   <a:extLst>
                     <a:ext uri="{9D8B030D-6E8A-4147-A177-3AD203B41FA5}">
-                      <a16:colId xmlns:a16="http://schemas.microsoft.com/office/drawing/2014/main" xmlns="" val="20002"/>
+                      <a16:colId xmlns:a16="http://schemas.microsoft.com/office/drawing/2014/main" val="20002"/>
                     </a:ext>
                   </a:extLst>
                 </a:gridCol>
@@ -5857,7 +5855,7 @@
                 </a:tc>
                 <a:extLst>
                   <a:ext uri="{0D108BD9-81ED-4DB2-BD59-A6C34878D82A}">
-                    <a16:rowId xmlns:a16="http://schemas.microsoft.com/office/drawing/2014/main" xmlns="" val="10000"/>
+                    <a16:rowId xmlns:a16="http://schemas.microsoft.com/office/drawing/2014/main" val="10000"/>
                   </a:ext>
                 </a:extLst>
               </a:tr>
@@ -6053,7 +6051,7 @@
                 </a:tc>
                 <a:extLst>
                   <a:ext uri="{0D108BD9-81ED-4DB2-BD59-A6C34878D82A}">
-                    <a16:rowId xmlns:a16="http://schemas.microsoft.com/office/drawing/2014/main" xmlns="" val="10001"/>
+                    <a16:rowId xmlns:a16="http://schemas.microsoft.com/office/drawing/2014/main" val="10001"/>
                   </a:ext>
                 </a:extLst>
               </a:tr>
@@ -6249,7 +6247,7 @@
                 </a:tc>
                 <a:extLst>
                   <a:ext uri="{0D108BD9-81ED-4DB2-BD59-A6C34878D82A}">
-                    <a16:rowId xmlns:a16="http://schemas.microsoft.com/office/drawing/2014/main" xmlns="" val="10002"/>
+                    <a16:rowId xmlns:a16="http://schemas.microsoft.com/office/drawing/2014/main" val="10002"/>
                   </a:ext>
                 </a:extLst>
               </a:tr>
@@ -6445,7 +6443,7 @@
                 </a:tc>
                 <a:extLst>
                   <a:ext uri="{0D108BD9-81ED-4DB2-BD59-A6C34878D82A}">
-                    <a16:rowId xmlns:a16="http://schemas.microsoft.com/office/drawing/2014/main" xmlns="" val="10003"/>
+                    <a16:rowId xmlns:a16="http://schemas.microsoft.com/office/drawing/2014/main" val="10003"/>
                   </a:ext>
                 </a:extLst>
               </a:tr>
@@ -6641,7 +6639,7 @@
                 </a:tc>
                 <a:extLst>
                   <a:ext uri="{0D108BD9-81ED-4DB2-BD59-A6C34878D82A}">
-                    <a16:rowId xmlns:a16="http://schemas.microsoft.com/office/drawing/2014/main" xmlns="" val="10004"/>
+                    <a16:rowId xmlns:a16="http://schemas.microsoft.com/office/drawing/2014/main" val="10004"/>
                   </a:ext>
                 </a:extLst>
               </a:tr>
@@ -6837,7 +6835,7 @@
                 </a:tc>
                 <a:extLst>
                   <a:ext uri="{0D108BD9-81ED-4DB2-BD59-A6C34878D82A}">
-                    <a16:rowId xmlns:a16="http://schemas.microsoft.com/office/drawing/2014/main" xmlns="" val="10005"/>
+                    <a16:rowId xmlns:a16="http://schemas.microsoft.com/office/drawing/2014/main" val="10005"/>
                   </a:ext>
                 </a:extLst>
               </a:tr>
@@ -7376,7 +7374,15 @@
             </a:pPr>
             <a:r>
               <a:rPr lang="en-US" sz="3600" dirty="0" smtClean="0"/>
-              <a:t>The displacement fields were applied to the model, warping it to the patients’ anatomy.</a:t>
+              <a:t>The displacement fields were applied to the model, warping it to </a:t>
+            </a:r>
+            <a:r>
+              <a:rPr lang="en-US" sz="3600" dirty="0" smtClean="0"/>
+              <a:t>patient </a:t>
+            </a:r>
+            <a:r>
+              <a:rPr lang="en-US" sz="3600" dirty="0" smtClean="0"/>
+              <a:t>anatomy.</a:t>
             </a:r>
             <a:endParaRPr lang="en-CA" sz="3600" dirty="0"/>
           </a:p>
